--- a/Go.pptx
+++ b/Go.pptx
@@ -353,7 +353,7 @@
             <a:fld id="{1D8BD707-D9CF-40AE-B4C6-C98DA3205C09}" type="datetimeFigureOut">
               <a:rPr lang="en-US" smtClean="0"/>
               <a:pPr/>
-              <a:t>3/6/2023</a:t>
+              <a:t>3/7/2023</a:t>
             </a:fld>
             <a:endParaRPr lang="en-US"/>
           </a:p>
@@ -518,7 +518,7 @@
             <a:fld id="{1D8BD707-D9CF-40AE-B4C6-C98DA3205C09}" type="datetimeFigureOut">
               <a:rPr lang="en-US" smtClean="0"/>
               <a:pPr/>
-              <a:t>3/6/2023</a:t>
+              <a:t>3/7/2023</a:t>
             </a:fld>
             <a:endParaRPr lang="en-US"/>
           </a:p>
@@ -693,7 +693,7 @@
             <a:fld id="{1D8BD707-D9CF-40AE-B4C6-C98DA3205C09}" type="datetimeFigureOut">
               <a:rPr lang="en-US" smtClean="0"/>
               <a:pPr/>
-              <a:t>3/6/2023</a:t>
+              <a:t>3/7/2023</a:t>
             </a:fld>
             <a:endParaRPr lang="en-US"/>
           </a:p>
@@ -858,7 +858,7 @@
             <a:fld id="{1D8BD707-D9CF-40AE-B4C6-C98DA3205C09}" type="datetimeFigureOut">
               <a:rPr lang="en-US" smtClean="0"/>
               <a:pPr/>
-              <a:t>3/6/2023</a:t>
+              <a:t>3/7/2023</a:t>
             </a:fld>
             <a:endParaRPr lang="en-US"/>
           </a:p>
@@ -1100,7 +1100,7 @@
             <a:fld id="{1D8BD707-D9CF-40AE-B4C6-C98DA3205C09}" type="datetimeFigureOut">
               <a:rPr lang="en-US" smtClean="0"/>
               <a:pPr/>
-              <a:t>3/6/2023</a:t>
+              <a:t>3/7/2023</a:t>
             </a:fld>
             <a:endParaRPr lang="en-US"/>
           </a:p>
@@ -1382,7 +1382,7 @@
             <a:fld id="{1D8BD707-D9CF-40AE-B4C6-C98DA3205C09}" type="datetimeFigureOut">
               <a:rPr lang="en-US" smtClean="0"/>
               <a:pPr/>
-              <a:t>3/6/2023</a:t>
+              <a:t>3/7/2023</a:t>
             </a:fld>
             <a:endParaRPr lang="en-US"/>
           </a:p>
@@ -1798,7 +1798,7 @@
             <a:fld id="{1D8BD707-D9CF-40AE-B4C6-C98DA3205C09}" type="datetimeFigureOut">
               <a:rPr lang="en-US" smtClean="0"/>
               <a:pPr/>
-              <a:t>3/6/2023</a:t>
+              <a:t>3/7/2023</a:t>
             </a:fld>
             <a:endParaRPr lang="en-US"/>
           </a:p>
@@ -1912,7 +1912,7 @@
             <a:fld id="{1D8BD707-D9CF-40AE-B4C6-C98DA3205C09}" type="datetimeFigureOut">
               <a:rPr lang="en-US" smtClean="0"/>
               <a:pPr/>
-              <a:t>3/6/2023</a:t>
+              <a:t>3/7/2023</a:t>
             </a:fld>
             <a:endParaRPr lang="en-US"/>
           </a:p>
@@ -2004,7 +2004,7 @@
             <a:fld id="{1D8BD707-D9CF-40AE-B4C6-C98DA3205C09}" type="datetimeFigureOut">
               <a:rPr lang="en-US" smtClean="0"/>
               <a:pPr/>
-              <a:t>3/6/2023</a:t>
+              <a:t>3/7/2023</a:t>
             </a:fld>
             <a:endParaRPr lang="en-US"/>
           </a:p>
@@ -2276,7 +2276,7 @@
             <a:fld id="{1D8BD707-D9CF-40AE-B4C6-C98DA3205C09}" type="datetimeFigureOut">
               <a:rPr lang="en-US" smtClean="0"/>
               <a:pPr/>
-              <a:t>3/6/2023</a:t>
+              <a:t>3/7/2023</a:t>
             </a:fld>
             <a:endParaRPr lang="en-US"/>
           </a:p>
@@ -2525,7 +2525,7 @@
             <a:fld id="{1D8BD707-D9CF-40AE-B4C6-C98DA3205C09}" type="datetimeFigureOut">
               <a:rPr lang="en-US" smtClean="0"/>
               <a:pPr/>
-              <a:t>3/6/2023</a:t>
+              <a:t>3/7/2023</a:t>
             </a:fld>
             <a:endParaRPr lang="en-US"/>
           </a:p>
@@ -2733,7 +2733,7 @@
             <a:fld id="{1D8BD707-D9CF-40AE-B4C6-C98DA3205C09}" type="datetimeFigureOut">
               <a:rPr lang="en-US" smtClean="0"/>
               <a:pPr/>
-              <a:t>3/6/2023</a:t>
+              <a:t>3/7/2023</a:t>
             </a:fld>
             <a:endParaRPr lang="en-US"/>
           </a:p>
@@ -13364,7 +13364,7 @@
         </p:nvSpPr>
         <p:spPr>
           <a:xfrm>
-            <a:off x="9144000" y="2045773"/>
+            <a:off x="9144000" y="1790700"/>
             <a:ext cx="6898414" cy="348172"/>
           </a:xfrm>
           <a:prstGeom prst="rect">
@@ -13408,8 +13408,8 @@
         </p:nvSpPr>
         <p:spPr>
           <a:xfrm>
-            <a:off x="9144000" y="2933700"/>
-            <a:ext cx="8382000" cy="6186309"/>
+            <a:off x="9144000" y="2678627"/>
+            <a:ext cx="8382000" cy="7294305"/>
           </a:xfrm>
           <a:prstGeom prst="rect">
             <a:avLst/>
@@ -13772,8 +13772,77 @@
                 <a:effectLst/>
                 <a:latin typeface="Muli Regular" panose="020B0604020202020204" charset="0"/>
               </a:rPr>
-              <a:t>. SD Times. https://sdtimes.com/softwaredev/why-developers-love-go/</a:t>
-            </a:r>
+              <a:t>. SD Times. </a:t>
+            </a:r>
+            <a:r>
+              <a:rPr lang="en-US" sz="1800" dirty="0">
+                <a:effectLst/>
+                <a:latin typeface="Muli Regular" panose="020B0604020202020204" charset="0"/>
+                <a:hlinkClick r:id="rId4">
+                  <a:extLst>
+                    <a:ext uri="{A12FA001-AC4F-418D-AE19-62706E023703}">
+                      <ahyp:hlinkClr xmlns:ahyp="http://schemas.microsoft.com/office/drawing/2018/hyperlinkcolor" val="tx"/>
+                    </a:ext>
+                  </a:extLst>
+                </a:hlinkClick>
+              </a:rPr>
+              <a:t>https://sdtimes.com/softwaredev/why-developers-love-go/</a:t>
+            </a:r>
+            <a:endParaRPr lang="en-US" sz="1800" dirty="0">
+              <a:effectLst/>
+              <a:latin typeface="Muli Regular" panose="020B0604020202020204" charset="0"/>
+            </a:endParaRPr>
+          </a:p>
+          <a:p>
+            <a:pPr marL="285750" indent="-285750">
+              <a:buFont typeface="Arial" panose="020B0604020202020204" pitchFamily="34" charset="0"/>
+              <a:buChar char="•"/>
+            </a:pPr>
+            <a:r>
+              <a:rPr lang="en-US" sz="1800" i="1" dirty="0" err="1">
+                <a:effectLst/>
+                <a:latin typeface="Muli Regular" panose="020B0604020202020204" charset="0"/>
+              </a:rPr>
+              <a:t>CodePen</a:t>
+            </a:r>
+            <a:r>
+              <a:rPr lang="en-US" sz="1800" i="1" dirty="0">
+                <a:effectLst/>
+                <a:latin typeface="Muli Regular" panose="020B0604020202020204" charset="0"/>
+              </a:rPr>
+              <a:t> Home Bootstrap Crud Data Table For Database with Modal Form</a:t>
+            </a:r>
+            <a:r>
+              <a:rPr lang="en-US" sz="1800" dirty="0">
+                <a:effectLst/>
+                <a:latin typeface="Muli Regular" panose="020B0604020202020204" charset="0"/>
+              </a:rPr>
+              <a:t>. (n.d.). </a:t>
+            </a:r>
+            <a:r>
+              <a:rPr lang="en-US" sz="1800" dirty="0" err="1">
+                <a:effectLst/>
+                <a:latin typeface="Muli Regular" panose="020B0604020202020204" charset="0"/>
+              </a:rPr>
+              <a:t>Codepen</a:t>
+            </a:r>
+            <a:r>
+              <a:rPr lang="en-US" sz="1800" dirty="0">
+                <a:effectLst/>
+                <a:latin typeface="Muli Regular" panose="020B0604020202020204" charset="0"/>
+              </a:rPr>
+              <a:t>. Retrieved March 7, 2023, from https://codepen.io/naikjavaid/pen/XPrpjr</a:t>
+            </a:r>
+          </a:p>
+          <a:p>
+            <a:pPr marL="285750" indent="-285750">
+              <a:buFont typeface="Arial" panose="020B0604020202020204" pitchFamily="34" charset="0"/>
+              <a:buChar char="•"/>
+            </a:pPr>
+            <a:endParaRPr lang="en-US" sz="1800" dirty="0">
+              <a:effectLst/>
+              <a:latin typeface="Muli Regular" panose="020B0604020202020204" charset="0"/>
+            </a:endParaRPr>
           </a:p>
           <a:p>
             <a:endParaRPr lang="en-CA" dirty="0">
@@ -15502,7 +15571,7 @@
                 </a:solidFill>
                 <a:latin typeface="Muli Bold"/>
               </a:rPr>
-              <a:t>Folders in Go needs to follow a certain structure</a:t>
+              <a:t>Folders in Go needs to follow specific names</a:t>
             </a:r>
           </a:p>
         </p:txBody>
@@ -16056,7 +16125,7 @@
               <a:rPr lang="en-CA" sz="3200" dirty="0">
                 <a:latin typeface="Muli Regular" panose="020B0604020202020204" charset="0"/>
               </a:rPr>
-              <a:t>User/ </a:t>
+              <a:t>directory/ </a:t>
             </a:r>
           </a:p>
           <a:p>
@@ -16227,8 +16296,8 @@
   <p:clrMapOvr>
     <a:masterClrMapping/>
   </p:clrMapOvr>
-  <mc:AlternateContent xmlns:mc="http://schemas.openxmlformats.org/markup-compatibility/2006">
-    <mc:Choice xmlns:p14="http://schemas.microsoft.com/office/powerpoint/2010/main" Requires="p14">
+  <mc:AlternateContent xmlns:mc="http://schemas.openxmlformats.org/markup-compatibility/2006" xmlns:p14="http://schemas.microsoft.com/office/powerpoint/2010/main">
+    <mc:Choice Requires="p14">
       <p:timing>
         <p:tnLst>
           <p:par>
@@ -16354,7 +16423,7 @@
         </p:tnLst>
       </p:timing>
     </mc:Choice>
-    <mc:Fallback>
+    <mc:Fallback xmlns="">
       <p:timing>
         <p:tnLst>
           <p:par>
